--- a/docs/ING Document Onboarding.pptx
+++ b/docs/ING Document Onboarding.pptx
@@ -1989,6 +1989,13 @@
         </dgm:presLayoutVars>
       </dgm:prSet>
       <dgm:spPr/>
+      <dgm:t>
+        <a:bodyPr/>
+        <a:lstStyle/>
+        <a:p>
+          <a:endParaRPr lang="en-GB"/>
+        </a:p>
+      </dgm:t>
     </dgm:pt>
     <dgm:pt modelId="{8DE8A111-CCFF-4EE2-9CED-385380E08638}" type="pres">
       <dgm:prSet presAssocID="{40FCBCB1-EB74-4ADE-A895-6E826429A46A}" presName="compNode" presStyleCnt="0"/>
@@ -2032,6 +2039,13 @@
         </dgm:presLayoutVars>
       </dgm:prSet>
       <dgm:spPr/>
+      <dgm:t>
+        <a:bodyPr/>
+        <a:lstStyle/>
+        <a:p>
+          <a:endParaRPr lang="en-GB"/>
+        </a:p>
+      </dgm:t>
     </dgm:pt>
     <dgm:pt modelId="{DFAE78CD-FFEE-4368-BAD1-7CBF1F13D8C5}" type="pres">
       <dgm:prSet presAssocID="{40FCBCB1-EB74-4ADE-A895-6E826429A46A}" presName="aSpace" presStyleCnt="0"/>
@@ -2079,6 +2093,13 @@
         </dgm:presLayoutVars>
       </dgm:prSet>
       <dgm:spPr/>
+      <dgm:t>
+        <a:bodyPr/>
+        <a:lstStyle/>
+        <a:p>
+          <a:endParaRPr lang="en-GB"/>
+        </a:p>
+      </dgm:t>
     </dgm:pt>
     <dgm:pt modelId="{0ECC446F-18CC-470E-8E78-93A845DBA292}" type="pres">
       <dgm:prSet presAssocID="{9735C935-11C6-4614-8A83-3C4D1C4C8539}" presName="aSpace" presStyleCnt="0"/>
@@ -2130,25 +2151,32 @@
         </dgm:presLayoutVars>
       </dgm:prSet>
       <dgm:spPr/>
+      <dgm:t>
+        <a:bodyPr/>
+        <a:lstStyle/>
+        <a:p>
+          <a:endParaRPr lang="en-GB"/>
+        </a:p>
+      </dgm:t>
     </dgm:pt>
   </dgm:ptLst>
   <dgm:cxnLst>
-    <dgm:cxn modelId="{9BC79859-D2F1-4D98-8161-23C8AC5E1AA3}" type="presOf" srcId="{15184951-B279-4E29-8D55-DD7D3FCE62F4}" destId="{5FC4D938-D780-42EE-9FFE-DA0F51628223}" srcOrd="1" destOrd="0" presId="urn:microsoft.com/office/officeart/2005/8/layout/hProcess6"/>
-    <dgm:cxn modelId="{E26A3CCA-FEDA-4E2B-9977-097D606733B6}" type="presOf" srcId="{9735C935-11C6-4614-8A83-3C4D1C4C8539}" destId="{E614EF95-2A0D-445A-92BD-FF84610C5C24}" srcOrd="0" destOrd="0" presId="urn:microsoft.com/office/officeart/2005/8/layout/hProcess6"/>
-    <dgm:cxn modelId="{65D66653-F0F6-4A29-8B75-6DBE946BD1BA}" type="presOf" srcId="{143D9B6D-EB31-429D-9335-B393730CFECC}" destId="{DD6C84D8-90D8-4305-8036-5413E502E9BF}" srcOrd="0" destOrd="0" presId="urn:microsoft.com/office/officeart/2005/8/layout/hProcess6"/>
-    <dgm:cxn modelId="{C9BD9A3F-D8F7-4CF2-A84F-EBCCDCFCE46B}" type="presOf" srcId="{6BF58023-EAFC-43D0-A2BA-D29B44880919}" destId="{134A31A6-87A2-4B76-B255-336CD9F61114}" srcOrd="1" destOrd="0" presId="urn:microsoft.com/office/officeart/2005/8/layout/hProcess6"/>
-    <dgm:cxn modelId="{0DAADC54-93E3-4EFC-A4C8-D03E1EF30BB7}" srcId="{143D9B6D-EB31-429D-9335-B393730CFECC}" destId="{9735C935-11C6-4614-8A83-3C4D1C4C8539}" srcOrd="1" destOrd="0" parTransId="{EB0AC01E-4627-4FD6-BA99-A47160164AD0}" sibTransId="{FE39BD33-869D-494B-9477-06F317577007}"/>
-    <dgm:cxn modelId="{9F859DC0-C198-47A3-AA8F-B2BF43C00801}" type="presOf" srcId="{8FA44A4F-A590-4698-A3A7-9D85051374D9}" destId="{25DB790D-7C6A-4274-A9AE-6DFF4FD17514}" srcOrd="0" destOrd="0" presId="urn:microsoft.com/office/officeart/2005/8/layout/hProcess6"/>
-    <dgm:cxn modelId="{1F0451E8-F65B-428E-B963-E2D861AE8E2B}" srcId="{40FCBCB1-EB74-4ADE-A895-6E826429A46A}" destId="{6BF58023-EAFC-43D0-A2BA-D29B44880919}" srcOrd="0" destOrd="0" parTransId="{24412822-6B1F-4BE8-89C9-9FA6D6AE862F}" sibTransId="{911A93A4-78A4-4DAE-8C9E-43176A0B4489}"/>
-    <dgm:cxn modelId="{AEC563EA-4B17-478D-9E2D-2B22EBA5D95C}" type="presOf" srcId="{40FCBCB1-EB74-4ADE-A895-6E826429A46A}" destId="{EFD04C52-2506-4A3F-8D35-928D3E98BFA4}" srcOrd="0" destOrd="0" presId="urn:microsoft.com/office/officeart/2005/8/layout/hProcess6"/>
-    <dgm:cxn modelId="{F6C0319A-F208-4E63-A65C-175F8C8EA27B}" srcId="{F9D9B6DF-E631-4571-B304-AEDF1AEAE568}" destId="{15184951-B279-4E29-8D55-DD7D3FCE62F4}" srcOrd="0" destOrd="0" parTransId="{0363A084-E982-40A7-8E49-EC7E75F6320F}" sibTransId="{AE30FFCB-45CB-413A-B264-B3524EC5A402}"/>
-    <dgm:cxn modelId="{54B34D7B-E619-4C29-894A-A0D6AC6BE33A}" type="presOf" srcId="{F9D9B6DF-E631-4571-B304-AEDF1AEAE568}" destId="{93B9C12F-77CD-43C5-931A-FA2E3C51FE89}" srcOrd="0" destOrd="0" presId="urn:microsoft.com/office/officeart/2005/8/layout/hProcess6"/>
-    <dgm:cxn modelId="{0A22B917-C988-4DA8-9EF7-D7BE4456A4D8}" srcId="{9735C935-11C6-4614-8A83-3C4D1C4C8539}" destId="{8FA44A4F-A590-4698-A3A7-9D85051374D9}" srcOrd="0" destOrd="0" parTransId="{D1B68CFB-9080-496C-955E-3C8FEFB40A10}" sibTransId="{40B2BAA2-BB09-4C76-A0EF-FD8D720DB19C}"/>
     <dgm:cxn modelId="{5AFAF176-06F6-40A1-BA2F-DAD465E825CF}" type="presOf" srcId="{15184951-B279-4E29-8D55-DD7D3FCE62F4}" destId="{262E6003-0B64-4610-B30B-DD10C3242734}" srcOrd="0" destOrd="0" presId="urn:microsoft.com/office/officeart/2005/8/layout/hProcess6"/>
     <dgm:cxn modelId="{2619A495-97E4-4622-B602-67FEE4DD072A}" type="presOf" srcId="{6BF58023-EAFC-43D0-A2BA-D29B44880919}" destId="{C0E9E94C-3196-484C-8832-E7661F68D54E}" srcOrd="0" destOrd="0" presId="urn:microsoft.com/office/officeart/2005/8/layout/hProcess6"/>
+    <dgm:cxn modelId="{0DAADC54-93E3-4EFC-A4C8-D03E1EF30BB7}" srcId="{143D9B6D-EB31-429D-9335-B393730CFECC}" destId="{9735C935-11C6-4614-8A83-3C4D1C4C8539}" srcOrd="1" destOrd="0" parTransId="{EB0AC01E-4627-4FD6-BA99-A47160164AD0}" sibTransId="{FE39BD33-869D-494B-9477-06F317577007}"/>
+    <dgm:cxn modelId="{0A22B917-C988-4DA8-9EF7-D7BE4456A4D8}" srcId="{9735C935-11C6-4614-8A83-3C4D1C4C8539}" destId="{8FA44A4F-A590-4698-A3A7-9D85051374D9}" srcOrd="0" destOrd="0" parTransId="{D1B68CFB-9080-496C-955E-3C8FEFB40A10}" sibTransId="{40B2BAA2-BB09-4C76-A0EF-FD8D720DB19C}"/>
+    <dgm:cxn modelId="{1F0451E8-F65B-428E-B963-E2D861AE8E2B}" srcId="{40FCBCB1-EB74-4ADE-A895-6E826429A46A}" destId="{6BF58023-EAFC-43D0-A2BA-D29B44880919}" srcOrd="0" destOrd="0" parTransId="{24412822-6B1F-4BE8-89C9-9FA6D6AE862F}" sibTransId="{911A93A4-78A4-4DAE-8C9E-43176A0B4489}"/>
+    <dgm:cxn modelId="{54B34D7B-E619-4C29-894A-A0D6AC6BE33A}" type="presOf" srcId="{F9D9B6DF-E631-4571-B304-AEDF1AEAE568}" destId="{93B9C12F-77CD-43C5-931A-FA2E3C51FE89}" srcOrd="0" destOrd="0" presId="urn:microsoft.com/office/officeart/2005/8/layout/hProcess6"/>
+    <dgm:cxn modelId="{65D66653-F0F6-4A29-8B75-6DBE946BD1BA}" type="presOf" srcId="{143D9B6D-EB31-429D-9335-B393730CFECC}" destId="{DD6C84D8-90D8-4305-8036-5413E502E9BF}" srcOrd="0" destOrd="0" presId="urn:microsoft.com/office/officeart/2005/8/layout/hProcess6"/>
+    <dgm:cxn modelId="{D9F7FC94-D406-41AC-99C2-D3AEB4FBBE1D}" type="presOf" srcId="{8FA44A4F-A590-4698-A3A7-9D85051374D9}" destId="{14E7BB10-B08A-4927-B888-778582FD8317}" srcOrd="1" destOrd="0" presId="urn:microsoft.com/office/officeart/2005/8/layout/hProcess6"/>
+    <dgm:cxn modelId="{F6C0319A-F208-4E63-A65C-175F8C8EA27B}" srcId="{F9D9B6DF-E631-4571-B304-AEDF1AEAE568}" destId="{15184951-B279-4E29-8D55-DD7D3FCE62F4}" srcOrd="0" destOrd="0" parTransId="{0363A084-E982-40A7-8E49-EC7E75F6320F}" sibTransId="{AE30FFCB-45CB-413A-B264-B3524EC5A402}"/>
     <dgm:cxn modelId="{EE179C22-4820-44DC-9C2D-AF8E7D1A6EFE}" srcId="{143D9B6D-EB31-429D-9335-B393730CFECC}" destId="{40FCBCB1-EB74-4ADE-A895-6E826429A46A}" srcOrd="0" destOrd="0" parTransId="{5A0729D4-78AC-4E0E-8E68-255F7C291597}" sibTransId="{AE640314-FD25-49EC-88BB-04FEA1AAD556}"/>
-    <dgm:cxn modelId="{D9F7FC94-D406-41AC-99C2-D3AEB4FBBE1D}" type="presOf" srcId="{8FA44A4F-A590-4698-A3A7-9D85051374D9}" destId="{14E7BB10-B08A-4927-B888-778582FD8317}" srcOrd="1" destOrd="0" presId="urn:microsoft.com/office/officeart/2005/8/layout/hProcess6"/>
+    <dgm:cxn modelId="{C9BD9A3F-D8F7-4CF2-A84F-EBCCDCFCE46B}" type="presOf" srcId="{6BF58023-EAFC-43D0-A2BA-D29B44880919}" destId="{134A31A6-87A2-4B76-B255-336CD9F61114}" srcOrd="1" destOrd="0" presId="urn:microsoft.com/office/officeart/2005/8/layout/hProcess6"/>
+    <dgm:cxn modelId="{9BC79859-D2F1-4D98-8161-23C8AC5E1AA3}" type="presOf" srcId="{15184951-B279-4E29-8D55-DD7D3FCE62F4}" destId="{5FC4D938-D780-42EE-9FFE-DA0F51628223}" srcOrd="1" destOrd="0" presId="urn:microsoft.com/office/officeart/2005/8/layout/hProcess6"/>
     <dgm:cxn modelId="{D2C91455-5CA0-477B-A3FB-68E2DAD014BF}" srcId="{143D9B6D-EB31-429D-9335-B393730CFECC}" destId="{F9D9B6DF-E631-4571-B304-AEDF1AEAE568}" srcOrd="2" destOrd="0" parTransId="{AD6E37AF-8EA8-45A8-841A-BAE855B4F476}" sibTransId="{F8451F28-F7E6-4CEE-A60B-C19C98E0A105}"/>
+    <dgm:cxn modelId="{E26A3CCA-FEDA-4E2B-9977-097D606733B6}" type="presOf" srcId="{9735C935-11C6-4614-8A83-3C4D1C4C8539}" destId="{E614EF95-2A0D-445A-92BD-FF84610C5C24}" srcOrd="0" destOrd="0" presId="urn:microsoft.com/office/officeart/2005/8/layout/hProcess6"/>
+    <dgm:cxn modelId="{AEC563EA-4B17-478D-9E2D-2B22EBA5D95C}" type="presOf" srcId="{40FCBCB1-EB74-4ADE-A895-6E826429A46A}" destId="{EFD04C52-2506-4A3F-8D35-928D3E98BFA4}" srcOrd="0" destOrd="0" presId="urn:microsoft.com/office/officeart/2005/8/layout/hProcess6"/>
+    <dgm:cxn modelId="{9F859DC0-C198-47A3-AA8F-B2BF43C00801}" type="presOf" srcId="{8FA44A4F-A590-4698-A3A7-9D85051374D9}" destId="{25DB790D-7C6A-4274-A9AE-6DFF4FD17514}" srcOrd="0" destOrd="0" presId="urn:microsoft.com/office/officeart/2005/8/layout/hProcess6"/>
     <dgm:cxn modelId="{99DC3172-B508-4A4E-A8E3-08963DA198BF}" type="presParOf" srcId="{DD6C84D8-90D8-4305-8036-5413E502E9BF}" destId="{8DE8A111-CCFF-4EE2-9CED-385380E08638}" srcOrd="0" destOrd="0" presId="urn:microsoft.com/office/officeart/2005/8/layout/hProcess6"/>
     <dgm:cxn modelId="{F6AA965C-9C50-4C25-B00D-7236D08499BB}" type="presParOf" srcId="{8DE8A111-CCFF-4EE2-9CED-385380E08638}" destId="{7678A5C6-43CC-42BF-80B7-D3641749B09D}" srcOrd="0" destOrd="0" presId="urn:microsoft.com/office/officeart/2005/8/layout/hProcess6"/>
     <dgm:cxn modelId="{643262A6-257F-41B3-AD73-DFC40C933138}" type="presParOf" srcId="{8DE8A111-CCFF-4EE2-9CED-385380E08638}" destId="{C0E9E94C-3196-484C-8832-E7661F68D54E}" srcOrd="1" destOrd="0" presId="urn:microsoft.com/office/officeart/2005/8/layout/hProcess6"/>
@@ -2369,8 +2397,9 @@
         <a:p>
           <a:r>
             <a:rPr lang="en-GB" dirty="0" smtClean="0"/>
-            <a:t>Capture Data</a:t>
+            <a:t>Review and Approve</a:t>
           </a:r>
+          <a:endParaRPr lang="en-GB" dirty="0" smtClean="0"/>
         </a:p>
         <a:p>
           <a:endParaRPr lang="en-GB" dirty="0" smtClean="0"/>
@@ -2378,8 +2407,13 @@
         <a:p>
           <a:r>
             <a:rPr lang="en-GB" dirty="0" smtClean="0"/>
-            <a:t>1.Manual Data Capture</a:t>
+            <a:t>1.Approved data sent to ING </a:t>
           </a:r>
+          <a:r>
+            <a:rPr lang="en-GB" smtClean="0"/>
+            <a:t>internal system</a:t>
+          </a:r>
+          <a:endParaRPr lang="en-GB" dirty="0" smtClean="0"/>
         </a:p>
       </dgm:t>
     </dgm:pt>
@@ -2547,6 +2581,13 @@
         </dgm:presLayoutVars>
       </dgm:prSet>
       <dgm:spPr/>
+      <dgm:t>
+        <a:bodyPr/>
+        <a:lstStyle/>
+        <a:p>
+          <a:endParaRPr lang="en-GB"/>
+        </a:p>
+      </dgm:t>
     </dgm:pt>
     <dgm:pt modelId="{8DE8A111-CCFF-4EE2-9CED-385380E08638}" type="pres">
       <dgm:prSet presAssocID="{40FCBCB1-EB74-4ADE-A895-6E826429A46A}" presName="compNode" presStyleCnt="0"/>
@@ -2590,6 +2631,13 @@
         </dgm:presLayoutVars>
       </dgm:prSet>
       <dgm:spPr/>
+      <dgm:t>
+        <a:bodyPr/>
+        <a:lstStyle/>
+        <a:p>
+          <a:endParaRPr lang="en-GB"/>
+        </a:p>
+      </dgm:t>
     </dgm:pt>
     <dgm:pt modelId="{DFAE78CD-FFEE-4368-BAD1-7CBF1F13D8C5}" type="pres">
       <dgm:prSet presAssocID="{40FCBCB1-EB74-4ADE-A895-6E826429A46A}" presName="aSpace" presStyleCnt="0"/>
@@ -2691,6 +2739,13 @@
         </dgm:presLayoutVars>
       </dgm:prSet>
       <dgm:spPr/>
+      <dgm:t>
+        <a:bodyPr/>
+        <a:lstStyle/>
+        <a:p>
+          <a:endParaRPr lang="en-GB"/>
+        </a:p>
+      </dgm:t>
     </dgm:pt>
     <dgm:pt modelId="{0ECC446F-18CC-470E-8E78-93A845DBA292}" type="pres">
       <dgm:prSet presAssocID="{9735C935-11C6-4614-8A83-3C4D1C4C8539}" presName="aSpace" presStyleCnt="0"/>
@@ -2742,6 +2797,13 @@
         </dgm:presLayoutVars>
       </dgm:prSet>
       <dgm:spPr/>
+      <dgm:t>
+        <a:bodyPr/>
+        <a:lstStyle/>
+        <a:p>
+          <a:endParaRPr lang="en-GB"/>
+        </a:p>
+      </dgm:t>
     </dgm:pt>
   </dgm:ptLst>
   <dgm:cxnLst>
@@ -2753,8 +2815,8 @@
     <dgm:cxn modelId="{0DAADC54-93E3-4EFC-A4C8-D03E1EF30BB7}" srcId="{143D9B6D-EB31-429D-9335-B393730CFECC}" destId="{9735C935-11C6-4614-8A83-3C4D1C4C8539}" srcOrd="2" destOrd="0" parTransId="{EB0AC01E-4627-4FD6-BA99-A47160164AD0}" sibTransId="{FE39BD33-869D-494B-9477-06F317577007}"/>
     <dgm:cxn modelId="{3A231D83-F5AD-45AA-BDB0-DBBB3AE07967}" type="presOf" srcId="{6BF58023-EAFC-43D0-A2BA-D29B44880919}" destId="{C0E9E94C-3196-484C-8832-E7661F68D54E}" srcOrd="0" destOrd="0" presId="urn:microsoft.com/office/officeart/2005/8/layout/hProcess6"/>
     <dgm:cxn modelId="{0B0A1DA3-7819-4E06-AB24-35ECFCA7EFA5}" type="presOf" srcId="{15184951-B279-4E29-8D55-DD7D3FCE62F4}" destId="{5FC4D938-D780-42EE-9FFE-DA0F51628223}" srcOrd="1" destOrd="0" presId="urn:microsoft.com/office/officeart/2005/8/layout/hProcess6"/>
+    <dgm:cxn modelId="{EE179C22-4820-44DC-9C2D-AF8E7D1A6EFE}" srcId="{143D9B6D-EB31-429D-9335-B393730CFECC}" destId="{40FCBCB1-EB74-4ADE-A895-6E826429A46A}" srcOrd="0" destOrd="0" parTransId="{5A0729D4-78AC-4E0E-8E68-255F7C291597}" sibTransId="{AE640314-FD25-49EC-88BB-04FEA1AAD556}"/>
     <dgm:cxn modelId="{D2C91455-5CA0-477B-A3FB-68E2DAD014BF}" srcId="{143D9B6D-EB31-429D-9335-B393730CFECC}" destId="{F9D9B6DF-E631-4571-B304-AEDF1AEAE568}" srcOrd="3" destOrd="0" parTransId="{AD6E37AF-8EA8-45A8-841A-BAE855B4F476}" sibTransId="{F8451F28-F7E6-4CEE-A60B-C19C98E0A105}"/>
-    <dgm:cxn modelId="{EE179C22-4820-44DC-9C2D-AF8E7D1A6EFE}" srcId="{143D9B6D-EB31-429D-9335-B393730CFECC}" destId="{40FCBCB1-EB74-4ADE-A895-6E826429A46A}" srcOrd="0" destOrd="0" parTransId="{5A0729D4-78AC-4E0E-8E68-255F7C291597}" sibTransId="{AE640314-FD25-49EC-88BB-04FEA1AAD556}"/>
     <dgm:cxn modelId="{538DA7BA-B08B-4AC1-9D49-0DBA6396EC05}" type="presOf" srcId="{2BED24D5-4377-4604-9929-CC5E01D801A1}" destId="{2773BBB5-5A1F-422A-B1D5-E2EC0634440F}" srcOrd="0" destOrd="0" presId="urn:microsoft.com/office/officeart/2005/8/layout/hProcess6"/>
     <dgm:cxn modelId="{00704CC9-2BA6-46A4-8EC5-EC056984B202}" type="presOf" srcId="{F9D9B6DF-E631-4571-B304-AEDF1AEAE568}" destId="{93B9C12F-77CD-43C5-931A-FA2E3C51FE89}" srcOrd="0" destOrd="0" presId="urn:microsoft.com/office/officeart/2005/8/layout/hProcess6"/>
     <dgm:cxn modelId="{C7E4B962-44E9-4A8C-A50A-C19D85AB6E0C}" type="presOf" srcId="{2BED24D5-4377-4604-9929-CC5E01D801A1}" destId="{BACD6016-EA47-4A9F-9357-4A9B927D6A24}" srcOrd="1" destOrd="0" presId="urn:microsoft.com/office/officeart/2005/8/layout/hProcess6"/>
@@ -2808,629 +2870,6 @@
       <dsp:cNvGrpSpPr/>
     </dsp:nvGrpSpPr>
     <dsp:grpSpPr/>
-    <dsp:sp modelId="{C0E9E94C-3196-484C-8832-E7661F68D54E}">
-      <dsp:nvSpPr>
-        <dsp:cNvPr id="0" name=""/>
-        <dsp:cNvSpPr/>
-      </dsp:nvSpPr>
-      <dsp:spPr>
-        <a:xfrm>
-          <a:off x="681145" y="1279558"/>
-          <a:ext cx="2704095" cy="2363719"/>
-        </a:xfrm>
-        <a:prstGeom prst="rightArrow">
-          <a:avLst>
-            <a:gd name="adj1" fmla="val 70000"/>
-            <a:gd name="adj2" fmla="val 50000"/>
-          </a:avLst>
-        </a:prstGeom>
-        <a:solidFill>
-          <a:schemeClr val="accent1">
-            <a:alpha val="90000"/>
-            <a:tint val="40000"/>
-            <a:hueOff val="0"/>
-            <a:satOff val="0"/>
-            <a:lumOff val="0"/>
-            <a:alphaOff val="0"/>
-          </a:schemeClr>
-        </a:solidFill>
-        <a:ln w="12700" cap="flat" cmpd="sng" algn="ctr">
-          <a:solidFill>
-            <a:schemeClr val="accent1">
-              <a:alpha val="90000"/>
-              <a:tint val="40000"/>
-              <a:hueOff val="0"/>
-              <a:satOff val="0"/>
-              <a:lumOff val="0"/>
-              <a:alphaOff val="0"/>
-            </a:schemeClr>
-          </a:solidFill>
-          <a:prstDash val="solid"/>
-          <a:miter lim="800000"/>
-        </a:ln>
-        <a:effectLst/>
-      </dsp:spPr>
-      <dsp:style>
-        <a:lnRef idx="2">
-          <a:scrgbClr r="0" g="0" b="0"/>
-        </a:lnRef>
-        <a:fillRef idx="1">
-          <a:scrgbClr r="0" g="0" b="0"/>
-        </a:fillRef>
-        <a:effectRef idx="0">
-          <a:scrgbClr r="0" g="0" b="0"/>
-        </a:effectRef>
-        <a:fontRef idx="minor"/>
-      </dsp:style>
-      <dsp:txBody>
-        <a:bodyPr spcFirstLastPara="0" vert="horz" wrap="square" lIns="35560" tIns="8890" rIns="17780" bIns="8890" numCol="1" spcCol="1270" anchor="ctr" anchorCtr="0">
-          <a:noAutofit/>
-        </a:bodyPr>
-        <a:lstStyle/>
-        <a:p>
-          <a:pPr lvl="0" algn="ctr" defTabSz="622300">
-            <a:lnSpc>
-              <a:spcPct val="90000"/>
-            </a:lnSpc>
-            <a:spcBef>
-              <a:spcPct val="0"/>
-            </a:spcBef>
-            <a:spcAft>
-              <a:spcPct val="35000"/>
-            </a:spcAft>
-          </a:pPr>
-          <a:r>
-            <a:rPr lang="en-GB" sz="1400" kern="1200" dirty="0" smtClean="0"/>
-            <a:t>Submit Documents</a:t>
-          </a:r>
-        </a:p>
-        <a:p>
-          <a:pPr lvl="0" algn="ctr" defTabSz="622300">
-            <a:lnSpc>
-              <a:spcPct val="90000"/>
-            </a:lnSpc>
-            <a:spcBef>
-              <a:spcPct val="0"/>
-            </a:spcBef>
-            <a:spcAft>
-              <a:spcPct val="35000"/>
-            </a:spcAft>
-          </a:pPr>
-          <a:endParaRPr lang="en-GB" sz="1400" kern="1200" dirty="0" smtClean="0"/>
-        </a:p>
-        <a:p>
-          <a:pPr lvl="0" algn="ctr" defTabSz="622300">
-            <a:lnSpc>
-              <a:spcPct val="90000"/>
-            </a:lnSpc>
-            <a:spcBef>
-              <a:spcPct val="0"/>
-            </a:spcBef>
-            <a:spcAft>
-              <a:spcPct val="35000"/>
-            </a:spcAft>
-          </a:pPr>
-          <a:r>
-            <a:rPr lang="en-GB" sz="1400" kern="1200" dirty="0" smtClean="0"/>
-            <a:t>1.Confidential</a:t>
-          </a:r>
-        </a:p>
-        <a:p>
-          <a:pPr lvl="0" algn="ctr" defTabSz="622300">
-            <a:lnSpc>
-              <a:spcPct val="90000"/>
-            </a:lnSpc>
-            <a:spcBef>
-              <a:spcPct val="0"/>
-            </a:spcBef>
-            <a:spcAft>
-              <a:spcPct val="35000"/>
-            </a:spcAft>
-          </a:pPr>
-          <a:r>
-            <a:rPr lang="en-GB" sz="1400" kern="1200" dirty="0" smtClean="0"/>
-            <a:t>2.Legal</a:t>
-          </a:r>
-        </a:p>
-        <a:p>
-          <a:pPr lvl="0" algn="ctr" defTabSz="622300">
-            <a:lnSpc>
-              <a:spcPct val="90000"/>
-            </a:lnSpc>
-            <a:spcBef>
-              <a:spcPct val="0"/>
-            </a:spcBef>
-            <a:spcAft>
-              <a:spcPct val="35000"/>
-            </a:spcAft>
-          </a:pPr>
-          <a:r>
-            <a:rPr lang="en-GB" sz="1400" kern="1200" dirty="0" smtClean="0"/>
-            <a:t>3.Statements</a:t>
-          </a:r>
-          <a:endParaRPr lang="en-GB" sz="1400" kern="1200" dirty="0"/>
-        </a:p>
-      </dsp:txBody>
-      <dsp:txXfrm>
-        <a:off x="1357169" y="1634116"/>
-        <a:ext cx="1318246" cy="1654603"/>
-      </dsp:txXfrm>
-    </dsp:sp>
-    <dsp:sp modelId="{EFD04C52-2506-4A3F-8D35-928D3E98BFA4}">
-      <dsp:nvSpPr>
-        <dsp:cNvPr id="0" name=""/>
-        <dsp:cNvSpPr/>
-      </dsp:nvSpPr>
-      <dsp:spPr>
-        <a:xfrm>
-          <a:off x="5121" y="1785394"/>
-          <a:ext cx="1352047" cy="1352047"/>
-        </a:xfrm>
-        <a:prstGeom prst="ellipse">
-          <a:avLst/>
-        </a:prstGeom>
-        <a:solidFill>
-          <a:schemeClr val="accent1">
-            <a:hueOff val="0"/>
-            <a:satOff val="0"/>
-            <a:lumOff val="0"/>
-            <a:alphaOff val="0"/>
-          </a:schemeClr>
-        </a:solidFill>
-        <a:ln w="12700" cap="flat" cmpd="sng" algn="ctr">
-          <a:solidFill>
-            <a:schemeClr val="lt1">
-              <a:hueOff val="0"/>
-              <a:satOff val="0"/>
-              <a:lumOff val="0"/>
-              <a:alphaOff val="0"/>
-            </a:schemeClr>
-          </a:solidFill>
-          <a:prstDash val="solid"/>
-          <a:miter lim="800000"/>
-        </a:ln>
-        <a:effectLst/>
-      </dsp:spPr>
-      <dsp:style>
-        <a:lnRef idx="2">
-          <a:scrgbClr r="0" g="0" b="0"/>
-        </a:lnRef>
-        <a:fillRef idx="1">
-          <a:scrgbClr r="0" g="0" b="0"/>
-        </a:fillRef>
-        <a:effectRef idx="0">
-          <a:scrgbClr r="0" g="0" b="0"/>
-        </a:effectRef>
-        <a:fontRef idx="minor">
-          <a:schemeClr val="lt1"/>
-        </a:fontRef>
-      </dsp:style>
-      <dsp:txBody>
-        <a:bodyPr spcFirstLastPara="0" vert="horz" wrap="square" lIns="9525" tIns="9525" rIns="9525" bIns="9525" numCol="1" spcCol="1270" anchor="ctr" anchorCtr="0">
-          <a:noAutofit/>
-        </a:bodyPr>
-        <a:lstStyle/>
-        <a:p>
-          <a:pPr lvl="0" algn="ctr" defTabSz="666750">
-            <a:lnSpc>
-              <a:spcPct val="90000"/>
-            </a:lnSpc>
-            <a:spcBef>
-              <a:spcPct val="0"/>
-            </a:spcBef>
-            <a:spcAft>
-              <a:spcPct val="35000"/>
-            </a:spcAft>
-          </a:pPr>
-          <a:r>
-            <a:rPr lang="en-GB" sz="1500" kern="1200" dirty="0" smtClean="0"/>
-            <a:t>Corporate Clients</a:t>
-          </a:r>
-          <a:endParaRPr lang="en-GB" sz="1500" kern="1200" dirty="0"/>
-        </a:p>
-      </dsp:txBody>
-      <dsp:txXfrm>
-        <a:off x="203124" y="1983397"/>
-        <a:ext cx="956041" cy="956041"/>
-      </dsp:txXfrm>
-    </dsp:sp>
-    <dsp:sp modelId="{25DB790D-7C6A-4274-A9AE-6DFF4FD17514}">
-      <dsp:nvSpPr>
-        <dsp:cNvPr id="0" name=""/>
-        <dsp:cNvSpPr/>
-      </dsp:nvSpPr>
-      <dsp:spPr>
-        <a:xfrm>
-          <a:off x="4230270" y="1279558"/>
-          <a:ext cx="2704095" cy="2363719"/>
-        </a:xfrm>
-        <a:prstGeom prst="rightArrow">
-          <a:avLst>
-            <a:gd name="adj1" fmla="val 70000"/>
-            <a:gd name="adj2" fmla="val 50000"/>
-          </a:avLst>
-        </a:prstGeom>
-        <a:solidFill>
-          <a:schemeClr val="accent1">
-            <a:alpha val="90000"/>
-            <a:tint val="40000"/>
-            <a:hueOff val="0"/>
-            <a:satOff val="0"/>
-            <a:lumOff val="0"/>
-            <a:alphaOff val="0"/>
-          </a:schemeClr>
-        </a:solidFill>
-        <a:ln w="12700" cap="flat" cmpd="sng" algn="ctr">
-          <a:solidFill>
-            <a:schemeClr val="accent1">
-              <a:alpha val="90000"/>
-              <a:tint val="40000"/>
-              <a:hueOff val="0"/>
-              <a:satOff val="0"/>
-              <a:lumOff val="0"/>
-              <a:alphaOff val="0"/>
-            </a:schemeClr>
-          </a:solidFill>
-          <a:prstDash val="solid"/>
-          <a:miter lim="800000"/>
-        </a:ln>
-        <a:effectLst/>
-      </dsp:spPr>
-      <dsp:style>
-        <a:lnRef idx="2">
-          <a:scrgbClr r="0" g="0" b="0"/>
-        </a:lnRef>
-        <a:fillRef idx="1">
-          <a:scrgbClr r="0" g="0" b="0"/>
-        </a:fillRef>
-        <a:effectRef idx="0">
-          <a:scrgbClr r="0" g="0" b="0"/>
-        </a:effectRef>
-        <a:fontRef idx="minor"/>
-      </dsp:style>
-      <dsp:txBody>
-        <a:bodyPr spcFirstLastPara="0" vert="horz" wrap="square" lIns="35560" tIns="8890" rIns="17780" bIns="8890" numCol="1" spcCol="1270" anchor="ctr" anchorCtr="0">
-          <a:noAutofit/>
-        </a:bodyPr>
-        <a:lstStyle/>
-        <a:p>
-          <a:pPr lvl="0" algn="ctr" defTabSz="622300">
-            <a:lnSpc>
-              <a:spcPct val="90000"/>
-            </a:lnSpc>
-            <a:spcBef>
-              <a:spcPct val="0"/>
-            </a:spcBef>
-            <a:spcAft>
-              <a:spcPct val="35000"/>
-            </a:spcAft>
-          </a:pPr>
-          <a:r>
-            <a:rPr lang="en-GB" sz="1400" kern="1200" dirty="0" smtClean="0"/>
-            <a:t>Capture Data</a:t>
-          </a:r>
-        </a:p>
-        <a:p>
-          <a:pPr lvl="0" algn="ctr" defTabSz="622300">
-            <a:lnSpc>
-              <a:spcPct val="90000"/>
-            </a:lnSpc>
-            <a:spcBef>
-              <a:spcPct val="0"/>
-            </a:spcBef>
-            <a:spcAft>
-              <a:spcPct val="35000"/>
-            </a:spcAft>
-          </a:pPr>
-          <a:endParaRPr lang="en-GB" sz="1400" kern="1200" dirty="0" smtClean="0"/>
-        </a:p>
-        <a:p>
-          <a:pPr lvl="0" algn="ctr" defTabSz="622300">
-            <a:lnSpc>
-              <a:spcPct val="90000"/>
-            </a:lnSpc>
-            <a:spcBef>
-              <a:spcPct val="0"/>
-            </a:spcBef>
-            <a:spcAft>
-              <a:spcPct val="35000"/>
-            </a:spcAft>
-          </a:pPr>
-          <a:r>
-            <a:rPr lang="en-GB" sz="1400" kern="1200" dirty="0" smtClean="0"/>
-            <a:t>1.Manual Data Capture</a:t>
-          </a:r>
-        </a:p>
-      </dsp:txBody>
-      <dsp:txXfrm>
-        <a:off x="4906294" y="1634116"/>
-        <a:ext cx="1318246" cy="1654603"/>
-      </dsp:txXfrm>
-    </dsp:sp>
-    <dsp:sp modelId="{E614EF95-2A0D-445A-92BD-FF84610C5C24}">
-      <dsp:nvSpPr>
-        <dsp:cNvPr id="0" name=""/>
-        <dsp:cNvSpPr/>
-      </dsp:nvSpPr>
-      <dsp:spPr>
-        <a:xfrm>
-          <a:off x="3554246" y="1785394"/>
-          <a:ext cx="1352047" cy="1352047"/>
-        </a:xfrm>
-        <a:prstGeom prst="ellipse">
-          <a:avLst/>
-        </a:prstGeom>
-        <a:solidFill>
-          <a:schemeClr val="accent1">
-            <a:hueOff val="0"/>
-            <a:satOff val="0"/>
-            <a:lumOff val="0"/>
-            <a:alphaOff val="0"/>
-          </a:schemeClr>
-        </a:solidFill>
-        <a:ln w="12700" cap="flat" cmpd="sng" algn="ctr">
-          <a:solidFill>
-            <a:schemeClr val="lt1">
-              <a:hueOff val="0"/>
-              <a:satOff val="0"/>
-              <a:lumOff val="0"/>
-              <a:alphaOff val="0"/>
-            </a:schemeClr>
-          </a:solidFill>
-          <a:prstDash val="solid"/>
-          <a:miter lim="800000"/>
-        </a:ln>
-        <a:effectLst/>
-      </dsp:spPr>
-      <dsp:style>
-        <a:lnRef idx="2">
-          <a:scrgbClr r="0" g="0" b="0"/>
-        </a:lnRef>
-        <a:fillRef idx="1">
-          <a:scrgbClr r="0" g="0" b="0"/>
-        </a:fillRef>
-        <a:effectRef idx="0">
-          <a:scrgbClr r="0" g="0" b="0"/>
-        </a:effectRef>
-        <a:fontRef idx="minor">
-          <a:schemeClr val="lt1"/>
-        </a:fontRef>
-      </dsp:style>
-      <dsp:txBody>
-        <a:bodyPr spcFirstLastPara="0" vert="horz" wrap="square" lIns="9525" tIns="9525" rIns="9525" bIns="9525" numCol="1" spcCol="1270" anchor="ctr" anchorCtr="0">
-          <a:noAutofit/>
-        </a:bodyPr>
-        <a:lstStyle/>
-        <a:p>
-          <a:pPr lvl="0" algn="ctr" defTabSz="666750">
-            <a:lnSpc>
-              <a:spcPct val="90000"/>
-            </a:lnSpc>
-            <a:spcBef>
-              <a:spcPct val="0"/>
-            </a:spcBef>
-            <a:spcAft>
-              <a:spcPct val="35000"/>
-            </a:spcAft>
-          </a:pPr>
-          <a:r>
-            <a:rPr lang="en-GB" sz="1500" kern="1200" dirty="0" smtClean="0"/>
-            <a:t>Structured Finance Team</a:t>
-          </a:r>
-          <a:endParaRPr lang="en-GB" sz="1500" kern="1200" dirty="0"/>
-        </a:p>
-      </dsp:txBody>
-      <dsp:txXfrm>
-        <a:off x="3752249" y="1983397"/>
-        <a:ext cx="956041" cy="956041"/>
-      </dsp:txXfrm>
-    </dsp:sp>
-    <dsp:sp modelId="{262E6003-0B64-4610-B30B-DD10C3242734}">
-      <dsp:nvSpPr>
-        <dsp:cNvPr id="0" name=""/>
-        <dsp:cNvSpPr/>
-      </dsp:nvSpPr>
-      <dsp:spPr>
-        <a:xfrm>
-          <a:off x="7779395" y="1279558"/>
-          <a:ext cx="2704095" cy="2363719"/>
-        </a:xfrm>
-        <a:prstGeom prst="rect">
-          <a:avLst/>
-        </a:prstGeom>
-        <a:solidFill>
-          <a:schemeClr val="accent1">
-            <a:alpha val="90000"/>
-            <a:tint val="40000"/>
-            <a:hueOff val="0"/>
-            <a:satOff val="0"/>
-            <a:lumOff val="0"/>
-            <a:alphaOff val="0"/>
-          </a:schemeClr>
-        </a:solidFill>
-        <a:ln w="12700" cap="flat" cmpd="sng" algn="ctr">
-          <a:solidFill>
-            <a:schemeClr val="accent1">
-              <a:alpha val="90000"/>
-              <a:tint val="40000"/>
-              <a:hueOff val="0"/>
-              <a:satOff val="0"/>
-              <a:lumOff val="0"/>
-              <a:alphaOff val="0"/>
-            </a:schemeClr>
-          </a:solidFill>
-          <a:prstDash val="solid"/>
-          <a:miter lim="800000"/>
-        </a:ln>
-        <a:effectLst/>
-      </dsp:spPr>
-      <dsp:style>
-        <a:lnRef idx="2">
-          <a:scrgbClr r="0" g="0" b="0"/>
-        </a:lnRef>
-        <a:fillRef idx="1">
-          <a:scrgbClr r="0" g="0" b="0"/>
-        </a:fillRef>
-        <a:effectRef idx="0">
-          <a:scrgbClr r="0" g="0" b="0"/>
-        </a:effectRef>
-        <a:fontRef idx="minor"/>
-      </dsp:style>
-      <dsp:txBody>
-        <a:bodyPr spcFirstLastPara="0" vert="horz" wrap="square" lIns="35560" tIns="8890" rIns="17780" bIns="8890" numCol="1" spcCol="1270" anchor="ctr" anchorCtr="0">
-          <a:noAutofit/>
-        </a:bodyPr>
-        <a:lstStyle/>
-        <a:p>
-          <a:pPr lvl="0" algn="ctr" defTabSz="622300">
-            <a:lnSpc>
-              <a:spcPct val="90000"/>
-            </a:lnSpc>
-            <a:spcBef>
-              <a:spcPct val="0"/>
-            </a:spcBef>
-            <a:spcAft>
-              <a:spcPct val="35000"/>
-            </a:spcAft>
-          </a:pPr>
-          <a:r>
-            <a:rPr lang="en-GB" sz="1400" kern="1200" dirty="0" smtClean="0"/>
-            <a:t>Information Storage and Classification</a:t>
-          </a:r>
-        </a:p>
-        <a:p>
-          <a:pPr lvl="0" algn="ctr" defTabSz="622300">
-            <a:lnSpc>
-              <a:spcPct val="90000"/>
-            </a:lnSpc>
-            <a:spcBef>
-              <a:spcPct val="0"/>
-            </a:spcBef>
-            <a:spcAft>
-              <a:spcPct val="35000"/>
-            </a:spcAft>
-          </a:pPr>
-          <a:endParaRPr lang="en-GB" sz="1400" kern="1200" dirty="0" smtClean="0"/>
-        </a:p>
-        <a:p>
-          <a:pPr lvl="0" algn="ctr" defTabSz="622300">
-            <a:lnSpc>
-              <a:spcPct val="90000"/>
-            </a:lnSpc>
-            <a:spcBef>
-              <a:spcPct val="0"/>
-            </a:spcBef>
-            <a:spcAft>
-              <a:spcPct val="35000"/>
-            </a:spcAft>
-          </a:pPr>
-          <a:r>
-            <a:rPr lang="en-GB" sz="1400" kern="1200" dirty="0" smtClean="0"/>
-            <a:t>1.Feed KYC/CDD</a:t>
-          </a:r>
-        </a:p>
-        <a:p>
-          <a:pPr lvl="0" algn="ctr" defTabSz="622300">
-            <a:lnSpc>
-              <a:spcPct val="90000"/>
-            </a:lnSpc>
-            <a:spcBef>
-              <a:spcPct val="0"/>
-            </a:spcBef>
-            <a:spcAft>
-              <a:spcPct val="35000"/>
-            </a:spcAft>
-          </a:pPr>
-          <a:r>
-            <a:rPr lang="en-GB" sz="1400" kern="1200" dirty="0" smtClean="0"/>
-            <a:t>2.Feed FINAN</a:t>
-          </a:r>
-          <a:endParaRPr lang="en-GB" sz="1400" kern="1200" dirty="0"/>
-        </a:p>
-      </dsp:txBody>
-      <dsp:txXfrm>
-        <a:off x="8455419" y="1634116"/>
-        <a:ext cx="1318246" cy="1654603"/>
-      </dsp:txXfrm>
-    </dsp:sp>
-    <dsp:sp modelId="{93B9C12F-77CD-43C5-931A-FA2E3C51FE89}">
-      <dsp:nvSpPr>
-        <dsp:cNvPr id="0" name=""/>
-        <dsp:cNvSpPr/>
-      </dsp:nvSpPr>
-      <dsp:spPr>
-        <a:xfrm>
-          <a:off x="7103371" y="1785394"/>
-          <a:ext cx="1352047" cy="1352047"/>
-        </a:xfrm>
-        <a:prstGeom prst="ellipse">
-          <a:avLst/>
-        </a:prstGeom>
-        <a:solidFill>
-          <a:schemeClr val="accent1">
-            <a:hueOff val="0"/>
-            <a:satOff val="0"/>
-            <a:lumOff val="0"/>
-            <a:alphaOff val="0"/>
-          </a:schemeClr>
-        </a:solidFill>
-        <a:ln w="12700" cap="flat" cmpd="sng" algn="ctr">
-          <a:solidFill>
-            <a:schemeClr val="lt1">
-              <a:hueOff val="0"/>
-              <a:satOff val="0"/>
-              <a:lumOff val="0"/>
-              <a:alphaOff val="0"/>
-            </a:schemeClr>
-          </a:solidFill>
-          <a:prstDash val="solid"/>
-          <a:miter lim="800000"/>
-        </a:ln>
-        <a:effectLst/>
-      </dsp:spPr>
-      <dsp:style>
-        <a:lnRef idx="2">
-          <a:scrgbClr r="0" g="0" b="0"/>
-        </a:lnRef>
-        <a:fillRef idx="1">
-          <a:scrgbClr r="0" g="0" b="0"/>
-        </a:fillRef>
-        <a:effectRef idx="0">
-          <a:scrgbClr r="0" g="0" b="0"/>
-        </a:effectRef>
-        <a:fontRef idx="minor">
-          <a:schemeClr val="lt1"/>
-        </a:fontRef>
-      </dsp:style>
-      <dsp:txBody>
-        <a:bodyPr spcFirstLastPara="0" vert="horz" wrap="square" lIns="9525" tIns="9525" rIns="9525" bIns="9525" numCol="1" spcCol="1270" anchor="ctr" anchorCtr="0">
-          <a:noAutofit/>
-        </a:bodyPr>
-        <a:lstStyle/>
-        <a:p>
-          <a:pPr lvl="0" algn="ctr" defTabSz="666750">
-            <a:lnSpc>
-              <a:spcPct val="90000"/>
-            </a:lnSpc>
-            <a:spcBef>
-              <a:spcPct val="0"/>
-            </a:spcBef>
-            <a:spcAft>
-              <a:spcPct val="35000"/>
-            </a:spcAft>
-          </a:pPr>
-          <a:r>
-            <a:rPr lang="en-GB" sz="1500" kern="1200" dirty="0" smtClean="0"/>
-            <a:t>Vantage System</a:t>
-          </a:r>
-          <a:endParaRPr lang="en-GB" sz="1500" kern="1200" dirty="0"/>
-        </a:p>
-      </dsp:txBody>
-      <dsp:txXfrm>
-        <a:off x="7301374" y="1983397"/>
-        <a:ext cx="956041" cy="956041"/>
-      </dsp:txXfrm>
-    </dsp:sp>
   </dsp:spTree>
 </dsp:drawing>
 </file>
@@ -3910,8 +3349,9 @@
           </a:pPr>
           <a:r>
             <a:rPr lang="en-GB" sz="1000" kern="1200" dirty="0" smtClean="0"/>
-            <a:t>Capture Data</a:t>
+            <a:t>Review and Approve</a:t>
           </a:r>
+          <a:endParaRPr lang="en-GB" sz="1000" kern="1200" dirty="0" smtClean="0"/>
         </a:p>
         <a:p>
           <a:pPr lvl="0" algn="ctr" defTabSz="444500">
@@ -3941,8 +3381,13 @@
           </a:pPr>
           <a:r>
             <a:rPr lang="en-GB" sz="1000" kern="1200" dirty="0" smtClean="0"/>
-            <a:t>1.Manual Data Capture</a:t>
+            <a:t>1.Approved data sent to ING </a:t>
           </a:r>
+          <a:r>
+            <a:rPr lang="en-GB" sz="1000" kern="1200" smtClean="0"/>
+            <a:t>internal system</a:t>
+          </a:r>
+          <a:endParaRPr lang="en-GB" sz="1000" kern="1200" dirty="0" smtClean="0"/>
         </a:p>
       </dsp:txBody>
       <dsp:txXfrm>
@@ -51791,7 +51236,7 @@
             <p:ph idx="1"/>
             <p:extLst>
               <p:ext uri="{D42A27DB-BD31-4B8C-83A1-F6EECF244321}">
-                <p14:modId xmlns:p14="http://schemas.microsoft.com/office/powerpoint/2010/main" val="3035301125"/>
+                <p14:modId xmlns:p14="http://schemas.microsoft.com/office/powerpoint/2010/main" val="4200836538"/>
               </p:ext>
             </p:extLst>
           </p:nvPr>
@@ -53497,15 +52942,6 @@
 </file>
 
 <file path=customXml/item2.xml><?xml version="1.0" encoding="utf-8"?>
-<?mso-contentType ?>
-<FormTemplates xmlns="http://schemas.microsoft.com/sharepoint/v3/contenttype/forms">
-  <Display>DocumentLibraryForm</Display>
-  <Edit>DocumentLibraryForm</Edit>
-  <New>DocumentLibraryForm</New>
-</FormTemplates>
-</file>
-
-<file path=customXml/item3.xml><?xml version="1.0" encoding="utf-8"?>
 <p:properties xmlns:p="http://schemas.microsoft.com/office/2006/metadata/properties" xmlns:xsi="http://www.w3.org/2001/XMLSchema-instance" xmlns:pc="http://schemas.microsoft.com/office/infopath/2007/PartnerControls">
   <documentManagement>
     <Specific_x0020_Guidelines xmlns="f1d9527b-8657-4d25-bfa6-2e48fbf10e00" xsi:nil="true"/>
@@ -53515,6 +52951,15 @@
     <Brand xmlns="7c76b0df-dc8b-464b-90f5-dee5dd35c88a" xsi:nil="true"/>
   </documentManagement>
 </p:properties>
+</file>
+
+<file path=customXml/item3.xml><?xml version="1.0" encoding="utf-8"?>
+<?mso-contentType ?>
+<FormTemplates xmlns="http://schemas.microsoft.com/sharepoint/v3/contenttype/forms">
+  <Display>DocumentLibraryForm</Display>
+  <Edit>DocumentLibraryForm</Edit>
+  <New>DocumentLibraryForm</New>
+</FormTemplates>
 </file>
 
 <file path=customXml/itemProps1.xml><?xml version="1.0" encoding="utf-8"?>
@@ -53537,14 +52982,6 @@
 </file>
 
 <file path=customXml/itemProps2.xml><?xml version="1.0" encoding="utf-8"?>
-<ds:datastoreItem xmlns:ds="http://schemas.openxmlformats.org/officeDocument/2006/customXml" ds:itemID="{7CCD96B9-0D16-430F-823E-BAB6E4D6B9F9}">
-  <ds:schemaRefs>
-    <ds:schemaRef ds:uri="http://schemas.microsoft.com/sharepoint/v3/contenttype/forms"/>
-  </ds:schemaRefs>
-</ds:datastoreItem>
-</file>
-
-<file path=customXml/itemProps3.xml><?xml version="1.0" encoding="utf-8"?>
 <ds:datastoreItem xmlns:ds="http://schemas.openxmlformats.org/officeDocument/2006/customXml" ds:itemID="{67462F1F-9F53-4B77-A7FE-12F262875427}">
   <ds:schemaRefs>
     <ds:schemaRef ds:uri="f1d9527b-8657-4d25-bfa6-2e48fbf10e00"/>
@@ -53559,4 +52996,12 @@
     <ds:schemaRef ds:uri="http://purl.org/dc/dcmitype/"/>
   </ds:schemaRefs>
 </ds:datastoreItem>
+</file>
+
+<file path=customXml/itemProps3.xml><?xml version="1.0" encoding="utf-8"?>
+<ds:datastoreItem xmlns:ds="http://schemas.openxmlformats.org/officeDocument/2006/customXml" ds:itemID="{7CCD96B9-0D16-430F-823E-BAB6E4D6B9F9}">
+  <ds:schemaRefs>
+    <ds:schemaRef ds:uri="http://schemas.microsoft.com/sharepoint/v3/contenttype/forms"/>
+  </ds:schemaRefs>
+</ds:datastoreItem>
 </file>